--- a/Maryland _vehicle _crash.pptx
+++ b/Maryland _vehicle _crash.pptx
@@ -629,7 +629,7 @@
           <a:p>
             <a:fld id="{83284890-85D2-4D7B-8EF5-15A9C1DB8F42}" type="datetimeFigureOut">
               <a:rPr lang="en-US" smtClean="0"/>
-              <a:t>2/11/20</a:t>
+              <a:t>2/12/2020</a:t>
             </a:fld>
             <a:endParaRPr lang="en-US"/>
           </a:p>
@@ -807,7 +807,7 @@
           <a:p>
             <a:fld id="{87157CC2-0FC8-4686-B024-99790E0F5162}" type="datetimeFigureOut">
               <a:rPr lang="en-US" smtClean="0"/>
-              <a:t>2/11/20</a:t>
+              <a:t>2/12/2020</a:t>
             </a:fld>
             <a:endParaRPr lang="en-US"/>
           </a:p>
@@ -987,7 +987,7 @@
           <a:p>
             <a:fld id="{F6764DA5-CD3D-4590-A511-FCD3BC7A793E}" type="datetimeFigureOut">
               <a:rPr lang="en-US" smtClean="0"/>
-              <a:t>2/11/20</a:t>
+              <a:t>2/12/2020</a:t>
             </a:fld>
             <a:endParaRPr lang="en-US"/>
           </a:p>
@@ -1157,7 +1157,7 @@
           <a:p>
             <a:fld id="{82F5661D-6934-4B32-B92C-470368BF1EC6}" type="datetimeFigureOut">
               <a:rPr lang="en-US" smtClean="0"/>
-              <a:t>2/11/20</a:t>
+              <a:t>2/12/2020</a:t>
             </a:fld>
             <a:endParaRPr lang="en-US"/>
           </a:p>
@@ -1478,7 +1478,7 @@
           <a:p>
             <a:fld id="{C6F822A4-8DA6-4447-9B1F-C5DB58435268}" type="datetimeFigureOut">
               <a:rPr lang="en-US" smtClean="0"/>
-              <a:t>2/11/20</a:t>
+              <a:t>2/12/2020</a:t>
             </a:fld>
             <a:endParaRPr lang="en-US" dirty="0"/>
           </a:p>
@@ -1939,7 +1939,7 @@
           <a:p>
             <a:fld id="{E548D31E-DCDA-41A7-9C67-C4B11B94D21D}" type="datetimeFigureOut">
               <a:rPr lang="en-US" smtClean="0"/>
-              <a:t>2/11/20</a:t>
+              <a:t>2/12/2020</a:t>
             </a:fld>
             <a:endParaRPr lang="en-US"/>
           </a:p>
@@ -2350,7 +2350,7 @@
           <a:p>
             <a:fld id="{9B3762C0-B258-48F1-ADE6-176B4174CCDD}" type="datetimeFigureOut">
               <a:rPr lang="en-US" smtClean="0"/>
-              <a:t>2/11/20</a:t>
+              <a:t>2/12/2020</a:t>
             </a:fld>
             <a:endParaRPr lang="en-US"/>
           </a:p>
@@ -2468,7 +2468,7 @@
           <a:p>
             <a:fld id="{677919A6-33EB-49BD-A62F-1FA56B9F9712}" type="datetimeFigureOut">
               <a:rPr lang="en-US" smtClean="0"/>
-              <a:t>2/11/20</a:t>
+              <a:t>2/12/2020</a:t>
             </a:fld>
             <a:endParaRPr lang="en-US"/>
           </a:p>
@@ -2585,7 +2585,7 @@
           <a:p>
             <a:fld id="{CA4E7D1B-D673-4CF6-8672-009D42ABD2A0}" type="datetimeFigureOut">
               <a:rPr lang="en-US" smtClean="0"/>
-              <a:t>2/11/20</a:t>
+              <a:t>2/12/2020</a:t>
             </a:fld>
             <a:endParaRPr lang="en-US"/>
           </a:p>
@@ -2943,7 +2943,7 @@
           <a:p>
             <a:fld id="{DA16AA21-1863-4931-97CB-99D0A168701B}" type="datetimeFigureOut">
               <a:rPr lang="en-US" smtClean="0"/>
-              <a:t>2/11/20</a:t>
+              <a:t>2/12/2020</a:t>
             </a:fld>
             <a:endParaRPr lang="en-US"/>
           </a:p>
@@ -3450,7 +3450,7 @@
           <a:p>
             <a:fld id="{3772C379-9A7C-4C87-A116-CBE9F58B04C5}" type="datetimeFigureOut">
               <a:rPr lang="en-US" smtClean="0"/>
-              <a:t>2/11/20</a:t>
+              <a:t>2/12/2020</a:t>
             </a:fld>
             <a:endParaRPr lang="en-US"/>
           </a:p>
@@ -3805,7 +3805,7 @@
           <a:p>
             <a:fld id="{8664C608-40B1-4030-A28D-5B74BC98ADCE}" type="datetimeFigureOut">
               <a:rPr lang="en-US" smtClean="0"/>
-              <a:t>2/11/20</a:t>
+              <a:t>2/12/2020</a:t>
             </a:fld>
             <a:endParaRPr lang="en-US" dirty="0"/>
           </a:p>
@@ -4808,42 +4808,6 @@
       </p:sp>
       <p:sp>
         <p:nvSpPr>
-          <p:cNvPr id="3" name="Subtitle 2">
-            <a:extLst>
-              <a:ext uri="{FF2B5EF4-FFF2-40B4-BE49-F238E27FC236}">
-                <a16:creationId xmlns:a16="http://schemas.microsoft.com/office/drawing/2014/main" id="{A5A47661-99E3-3A44-8C56-404593ABDADE}"/>
-              </a:ext>
-            </a:extLst>
-          </p:cNvPr>
-          <p:cNvSpPr>
-            <a:spLocks noGrp="1"/>
-          </p:cNvSpPr>
-          <p:nvPr>
-            <p:ph type="subTitle" idx="1"/>
-          </p:nvPr>
-        </p:nvSpPr>
-        <p:spPr>
-          <a:xfrm>
-            <a:off x="8091947" y="1678210"/>
-            <a:ext cx="2989007" cy="3443988"/>
-          </a:xfrm>
-        </p:spPr>
-        <p:txBody>
-          <a:bodyPr anchor="ctr">
-            <a:normAutofit/>
-          </a:bodyPr>
-          <a:lstStyle/>
-          <a:p>
-            <a:endParaRPr lang="en-US" sz="2000" dirty="0">
-              <a:solidFill>
-                <a:srgbClr val="000000"/>
-              </a:solidFill>
-            </a:endParaRPr>
-          </a:p>
-        </p:txBody>
-      </p:sp>
-      <p:sp>
-        <p:nvSpPr>
           <p:cNvPr id="14" name="Rectangle 13">
             <a:extLst>
               <a:ext uri="{FF2B5EF4-FFF2-40B4-BE49-F238E27FC236}">
@@ -5109,6 +5073,53 @@
           </p:txBody>
         </p:sp>
       </p:grpSp>
+      <p:pic>
+        <p:nvPicPr>
+          <p:cNvPr id="1026" name="Picture 2" descr="Image result for car crash">
+            <a:extLst>
+              <a:ext uri="{FF2B5EF4-FFF2-40B4-BE49-F238E27FC236}">
+                <a16:creationId xmlns:a16="http://schemas.microsoft.com/office/drawing/2014/main" id="{79BA8C37-E52C-45E8-893A-EA35C08B4A2A}"/>
+              </a:ext>
+            </a:extLst>
+          </p:cNvPr>
+          <p:cNvPicPr>
+            <a:picLocks noChangeAspect="1" noChangeArrowheads="1"/>
+          </p:cNvPicPr>
+          <p:nvPr/>
+        </p:nvPicPr>
+        <p:blipFill>
+          <a:blip r:embed="rId4">
+            <a:extLst>
+              <a:ext uri="{28A0092B-C50C-407E-A947-70E740481C1C}">
+                <a14:useLocalDpi xmlns:a14="http://schemas.microsoft.com/office/drawing/2010/main" val="0"/>
+              </a:ext>
+            </a:extLst>
+          </a:blip>
+          <a:srcRect/>
+          <a:stretch>
+            <a:fillRect/>
+          </a:stretch>
+        </p:blipFill>
+        <p:spPr bwMode="auto">
+          <a:xfrm>
+            <a:off x="7984884" y="1551070"/>
+            <a:ext cx="3155556" cy="3229276"/>
+          </a:xfrm>
+          <a:prstGeom prst="rect">
+            <a:avLst/>
+          </a:prstGeom>
+          <a:noFill/>
+          <a:extLst>
+            <a:ext uri="{909E8E84-426E-40DD-AFC4-6F175D3DCCD1}">
+              <a14:hiddenFill xmlns:a14="http://schemas.microsoft.com/office/drawing/2010/main">
+                <a:solidFill>
+                  <a:srgbClr val="FFFFFF"/>
+                </a:solidFill>
+              </a14:hiddenFill>
+            </a:ext>
+          </a:extLst>
+        </p:spPr>
+      </p:pic>
     </p:spTree>
     <p:extLst>
       <p:ext uri="{BB962C8B-B14F-4D97-AF65-F5344CB8AC3E}">
@@ -5889,31 +5900,103 @@
           </a:p>
         </p:txBody>
       </p:sp>
-      <p:sp>
-        <p:nvSpPr>
-          <p:cNvPr id="3" name="Content Placeholder 2">
+      <p:pic>
+        <p:nvPicPr>
+          <p:cNvPr id="2052" name="Picture 4">
             <a:extLst>
               <a:ext uri="{FF2B5EF4-FFF2-40B4-BE49-F238E27FC236}">
-                <a16:creationId xmlns:a16="http://schemas.microsoft.com/office/drawing/2014/main" id="{937A125A-8EDD-D543-92E3-91FD257D1404}"/>
+                <a16:creationId xmlns:a16="http://schemas.microsoft.com/office/drawing/2014/main" id="{206C321B-856D-47F7-81D7-344E14EC1868}"/>
               </a:ext>
             </a:extLst>
           </p:cNvPr>
-          <p:cNvSpPr>
-            <a:spLocks noGrp="1"/>
-          </p:cNvSpPr>
-          <p:nvPr>
-            <p:ph idx="1"/>
-          </p:nvPr>
-        </p:nvSpPr>
-        <p:spPr/>
-        <p:txBody>
-          <a:bodyPr/>
-          <a:lstStyle/>
-          <a:p>
-            <a:endParaRPr lang="en-US" dirty="0"/>
-          </a:p>
-        </p:txBody>
-      </p:sp>
+          <p:cNvPicPr>
+            <a:picLocks noGrp="1" noChangeAspect="1" noChangeArrowheads="1"/>
+          </p:cNvPicPr>
+          <p:nvPr>
+            <p:ph sz="half" idx="1"/>
+          </p:nvPr>
+        </p:nvPicPr>
+        <p:blipFill>
+          <a:blip r:embed="rId2">
+            <a:extLst>
+              <a:ext uri="{28A0092B-C50C-407E-A947-70E740481C1C}">
+                <a14:useLocalDpi xmlns:a14="http://schemas.microsoft.com/office/drawing/2010/main" val="0"/>
+              </a:ext>
+            </a:extLst>
+          </a:blip>
+          <a:stretch>
+            <a:fillRect/>
+          </a:stretch>
+        </p:blipFill>
+        <p:spPr bwMode="auto">
+          <a:xfrm>
+            <a:off x="467736" y="2160597"/>
+            <a:ext cx="5132963" cy="4212771"/>
+          </a:xfrm>
+          <a:prstGeom prst="rect">
+            <a:avLst/>
+          </a:prstGeom>
+          <a:noFill/>
+          <a:extLst>
+            <a:ext uri="{909E8E84-426E-40DD-AFC4-6F175D3DCCD1}">
+              <a14:hiddenFill xmlns:a14="http://schemas.microsoft.com/office/drawing/2010/main">
+                <a:solidFill>
+                  <a:srgbClr val="FFFFFF"/>
+                </a:solidFill>
+              </a14:hiddenFill>
+            </a:ext>
+          </a:extLst>
+        </p:spPr>
+      </p:pic>
+      <p:pic>
+        <p:nvPicPr>
+          <p:cNvPr id="2054" name="Picture 6">
+            <a:extLst>
+              <a:ext uri="{FF2B5EF4-FFF2-40B4-BE49-F238E27FC236}">
+                <a16:creationId xmlns:a16="http://schemas.microsoft.com/office/drawing/2014/main" id="{78BC80E8-CF31-4F33-B9D4-AEB5AB7B5F9B}"/>
+              </a:ext>
+            </a:extLst>
+          </p:cNvPr>
+          <p:cNvPicPr>
+            <a:picLocks noGrp="1" noChangeAspect="1" noChangeArrowheads="1"/>
+          </p:cNvPicPr>
+          <p:nvPr>
+            <p:ph sz="half" idx="2"/>
+          </p:nvPr>
+        </p:nvPicPr>
+        <p:blipFill>
+          <a:blip r:embed="rId3">
+            <a:extLst>
+              <a:ext uri="{28A0092B-C50C-407E-A947-70E740481C1C}">
+                <a14:useLocalDpi xmlns:a14="http://schemas.microsoft.com/office/drawing/2010/main" val="0"/>
+              </a:ext>
+            </a:extLst>
+          </a:blip>
+          <a:srcRect/>
+          <a:stretch>
+            <a:fillRect/>
+          </a:stretch>
+        </p:blipFill>
+        <p:spPr bwMode="auto">
+          <a:xfrm>
+            <a:off x="6373686" y="2214808"/>
+            <a:ext cx="4754562" cy="3707039"/>
+          </a:xfrm>
+          <a:prstGeom prst="rect">
+            <a:avLst/>
+          </a:prstGeom>
+          <a:noFill/>
+          <a:extLst>
+            <a:ext uri="{909E8E84-426E-40DD-AFC4-6F175D3DCCD1}">
+              <a14:hiddenFill xmlns:a14="http://schemas.microsoft.com/office/drawing/2010/main">
+                <a:solidFill>
+                  <a:srgbClr val="FFFFFF"/>
+                </a:solidFill>
+              </a14:hiddenFill>
+            </a:ext>
+          </a:extLst>
+        </p:spPr>
+      </p:pic>
     </p:spTree>
     <p:extLst>
       <p:ext uri="{BB962C8B-B14F-4D97-AF65-F5344CB8AC3E}">
